--- a/Презентация.pptx
+++ b/Презентация.pptx
@@ -237,7 +237,7 @@
           <a:p>
             <a:fld id="{946A7F3B-7739-4883-9027-9D6BD56E3CBA}" type="datetimeFigureOut">
               <a:rPr lang="ru-RU" smtClean="0"/>
-              <a:t>02.06.2024</a:t>
+              <a:t>05.06.2024</a:t>
             </a:fld>
             <a:endParaRPr lang="ru-RU"/>
           </a:p>
@@ -8875,448 +8875,6 @@
           <a:chExt cx="0" cy="0"/>
         </a:xfrm>
       </p:grpSpPr>
-      <p:grpSp>
-        <p:nvGrpSpPr>
-          <p:cNvPr id="2" name="object 2"/>
-          <p:cNvGrpSpPr/>
-          <p:nvPr/>
-        </p:nvGrpSpPr>
-        <p:grpSpPr>
-          <a:xfrm>
-            <a:off x="0" y="2906201"/>
-            <a:ext cx="5760085" cy="342900"/>
-            <a:chOff x="0" y="2897615"/>
-            <a:chExt cx="5760085" cy="342900"/>
-          </a:xfrm>
-        </p:grpSpPr>
-        <p:sp>
-          <p:nvSpPr>
-            <p:cNvPr id="3" name="object 3"/>
-            <p:cNvSpPr/>
-            <p:nvPr/>
-          </p:nvSpPr>
-          <p:spPr>
-            <a:xfrm>
-              <a:off x="0" y="2995218"/>
-              <a:ext cx="5760085" cy="122555"/>
-            </a:xfrm>
-            <a:custGeom>
-              <a:avLst/>
-              <a:gdLst/>
-              <a:ahLst/>
-              <a:cxnLst/>
-              <a:rect l="l" t="t" r="r" b="b"/>
-              <a:pathLst>
-                <a:path w="5760085" h="122555">
-                  <a:moveTo>
-                    <a:pt x="5759996" y="0"/>
-                  </a:moveTo>
-                  <a:lnTo>
-                    <a:pt x="0" y="0"/>
-                  </a:lnTo>
-                  <a:lnTo>
-                    <a:pt x="0" y="122389"/>
-                  </a:lnTo>
-                  <a:lnTo>
-                    <a:pt x="5759996" y="122389"/>
-                  </a:lnTo>
-                  <a:lnTo>
-                    <a:pt x="5759996" y="0"/>
-                  </a:lnTo>
-                  <a:close/>
-                </a:path>
-              </a:pathLst>
-            </a:custGeom>
-            <a:solidFill>
-              <a:srgbClr val="262685"/>
-            </a:solidFill>
-          </p:spPr>
-          <p:txBody>
-            <a:bodyPr wrap="square" lIns="0" tIns="0" rIns="0" bIns="0" rtlCol="0"/>
-            <a:lstStyle/>
-            <a:p>
-              <a:endParaRPr/>
-            </a:p>
-          </p:txBody>
-        </p:sp>
-        <p:sp>
-          <p:nvSpPr>
-            <p:cNvPr id="4" name="object 4"/>
-            <p:cNvSpPr/>
-            <p:nvPr/>
-          </p:nvSpPr>
-          <p:spPr>
-            <a:xfrm>
-              <a:off x="0" y="3117608"/>
-              <a:ext cx="5760085" cy="122555"/>
-            </a:xfrm>
-            <a:custGeom>
-              <a:avLst/>
-              <a:gdLst/>
-              <a:ahLst/>
-              <a:cxnLst/>
-              <a:rect l="l" t="t" r="r" b="b"/>
-              <a:pathLst>
-                <a:path w="5760085" h="122555">
-                  <a:moveTo>
-                    <a:pt x="5759996" y="0"/>
-                  </a:moveTo>
-                  <a:lnTo>
-                    <a:pt x="0" y="0"/>
-                  </a:lnTo>
-                  <a:lnTo>
-                    <a:pt x="0" y="122389"/>
-                  </a:lnTo>
-                  <a:lnTo>
-                    <a:pt x="5759996" y="122389"/>
-                  </a:lnTo>
-                  <a:lnTo>
-                    <a:pt x="5759996" y="0"/>
-                  </a:lnTo>
-                  <a:close/>
-                </a:path>
-              </a:pathLst>
-            </a:custGeom>
-            <a:solidFill>
-              <a:srgbClr val="191959"/>
-            </a:solidFill>
-          </p:spPr>
-          <p:txBody>
-            <a:bodyPr wrap="square" lIns="0" tIns="0" rIns="0" bIns="0" rtlCol="0"/>
-            <a:lstStyle/>
-            <a:p>
-              <a:endParaRPr/>
-            </a:p>
-          </p:txBody>
-        </p:sp>
-      </p:grpSp>
-      <p:sp>
-        <p:nvSpPr>
-          <p:cNvPr id="5" name="object 5"/>
-          <p:cNvSpPr txBox="1"/>
-          <p:nvPr/>
-        </p:nvSpPr>
-        <p:spPr>
-          <a:xfrm>
-            <a:off x="526097" y="279557"/>
-            <a:ext cx="4750435" cy="481330"/>
-          </a:xfrm>
-          <a:prstGeom prst="rect">
-            <a:avLst/>
-          </a:prstGeom>
-        </p:spPr>
-        <p:txBody>
-          <a:bodyPr vert="horz" wrap="square" lIns="0" tIns="12065" rIns="0" bIns="0" rtlCol="0">
-            <a:spAutoFit/>
-          </a:bodyPr>
-          <a:lstStyle/>
-          <a:p>
-            <a:pPr marL="12700" marR="5080" algn="ctr">
-              <a:lnSpc>
-                <a:spcPct val="100000"/>
-              </a:lnSpc>
-              <a:spcBef>
-                <a:spcPts val="95"/>
-              </a:spcBef>
-            </a:pPr>
-            <a:r>
-              <a:rPr sz="1000" spc="-40" dirty="0">
-                <a:latin typeface="Microsoft Sans Serif"/>
-                <a:cs typeface="Microsoft Sans Serif"/>
-              </a:rPr>
-              <a:t>Московский</a:t>
-            </a:r>
-            <a:r>
-              <a:rPr sz="1000" spc="75" dirty="0">
-                <a:latin typeface="Microsoft Sans Serif"/>
-                <a:cs typeface="Microsoft Sans Serif"/>
-              </a:rPr>
-              <a:t> </a:t>
-            </a:r>
-            <a:r>
-              <a:rPr sz="1000" spc="-45" dirty="0">
-                <a:latin typeface="Microsoft Sans Serif"/>
-                <a:cs typeface="Microsoft Sans Serif"/>
-              </a:rPr>
-              <a:t>авиационный</a:t>
-            </a:r>
-            <a:r>
-              <a:rPr sz="1000" spc="75" dirty="0">
-                <a:latin typeface="Microsoft Sans Serif"/>
-                <a:cs typeface="Microsoft Sans Serif"/>
-              </a:rPr>
-              <a:t> </a:t>
-            </a:r>
-            <a:r>
-              <a:rPr sz="1000" spc="-25" dirty="0">
-                <a:latin typeface="Microsoft Sans Serif"/>
-                <a:cs typeface="Microsoft Sans Serif"/>
-              </a:rPr>
-              <a:t>институт</a:t>
-            </a:r>
-            <a:r>
-              <a:rPr sz="1000" spc="80" dirty="0">
-                <a:latin typeface="Microsoft Sans Serif"/>
-                <a:cs typeface="Microsoft Sans Serif"/>
-              </a:rPr>
-              <a:t> </a:t>
-            </a:r>
-            <a:r>
-              <a:rPr sz="1000" spc="-45" dirty="0">
-                <a:latin typeface="Microsoft Sans Serif"/>
-                <a:cs typeface="Microsoft Sans Serif"/>
-              </a:rPr>
-              <a:t>(национальный</a:t>
-            </a:r>
-            <a:r>
-              <a:rPr sz="1000" spc="75" dirty="0">
-                <a:latin typeface="Microsoft Sans Serif"/>
-                <a:cs typeface="Microsoft Sans Serif"/>
-              </a:rPr>
-              <a:t> </a:t>
-            </a:r>
-            <a:r>
-              <a:rPr sz="1000" spc="-55" dirty="0">
-                <a:latin typeface="Microsoft Sans Serif"/>
-                <a:cs typeface="Microsoft Sans Serif"/>
-              </a:rPr>
-              <a:t>исследовательский</a:t>
-            </a:r>
-            <a:r>
-              <a:rPr sz="1000" spc="75" dirty="0">
-                <a:latin typeface="Microsoft Sans Serif"/>
-                <a:cs typeface="Microsoft Sans Serif"/>
-              </a:rPr>
-              <a:t> </a:t>
-            </a:r>
-            <a:r>
-              <a:rPr sz="1000" spc="-40" dirty="0">
-                <a:latin typeface="Microsoft Sans Serif"/>
-                <a:cs typeface="Microsoft Sans Serif"/>
-              </a:rPr>
-              <a:t>университет) </a:t>
-            </a:r>
-            <a:r>
-              <a:rPr sz="1000" spc="-250" dirty="0">
-                <a:latin typeface="Microsoft Sans Serif"/>
-                <a:cs typeface="Microsoft Sans Serif"/>
-              </a:rPr>
-              <a:t> </a:t>
-            </a:r>
-            <a:r>
-              <a:rPr sz="1000" spc="-25" dirty="0">
-                <a:latin typeface="Microsoft Sans Serif"/>
-                <a:cs typeface="Microsoft Sans Serif"/>
-              </a:rPr>
-              <a:t>Институт</a:t>
-            </a:r>
-            <a:r>
-              <a:rPr sz="1000" spc="65" dirty="0">
-                <a:latin typeface="Microsoft Sans Serif"/>
-                <a:cs typeface="Microsoft Sans Serif"/>
-              </a:rPr>
-              <a:t> </a:t>
-            </a:r>
-            <a:r>
-              <a:rPr sz="1000" spc="-185" dirty="0">
-                <a:latin typeface="Microsoft Sans Serif"/>
-                <a:cs typeface="Microsoft Sans Serif"/>
-              </a:rPr>
-              <a:t>№</a:t>
-            </a:r>
-            <a:r>
-              <a:rPr sz="1000" spc="-170" dirty="0">
-                <a:latin typeface="Microsoft Sans Serif"/>
-                <a:cs typeface="Microsoft Sans Serif"/>
-              </a:rPr>
-              <a:t> </a:t>
-            </a:r>
-            <a:r>
-              <a:rPr sz="1000" spc="-60" dirty="0">
-                <a:latin typeface="Microsoft Sans Serif"/>
-                <a:cs typeface="Microsoft Sans Serif"/>
-              </a:rPr>
-              <a:t>8</a:t>
-            </a:r>
-            <a:r>
-              <a:rPr sz="1000" spc="65" dirty="0">
-                <a:latin typeface="Microsoft Sans Serif"/>
-                <a:cs typeface="Microsoft Sans Serif"/>
-              </a:rPr>
-              <a:t> </a:t>
-            </a:r>
-            <a:r>
-              <a:rPr sz="1000" spc="-40" dirty="0">
-                <a:latin typeface="Microsoft Sans Serif"/>
-                <a:cs typeface="Microsoft Sans Serif"/>
-              </a:rPr>
-              <a:t>«Компьютерные</a:t>
-            </a:r>
-            <a:r>
-              <a:rPr sz="1000" spc="65" dirty="0">
-                <a:latin typeface="Microsoft Sans Serif"/>
-                <a:cs typeface="Microsoft Sans Serif"/>
-              </a:rPr>
-              <a:t> </a:t>
-            </a:r>
-            <a:r>
-              <a:rPr sz="1000" spc="-50" dirty="0">
-                <a:latin typeface="Microsoft Sans Serif"/>
-                <a:cs typeface="Microsoft Sans Serif"/>
-              </a:rPr>
-              <a:t>науки</a:t>
-            </a:r>
-            <a:r>
-              <a:rPr sz="1000" spc="65" dirty="0">
-                <a:latin typeface="Microsoft Sans Serif"/>
-                <a:cs typeface="Microsoft Sans Serif"/>
-              </a:rPr>
-              <a:t> </a:t>
-            </a:r>
-            <a:r>
-              <a:rPr sz="1000" spc="-25" dirty="0">
-                <a:latin typeface="Microsoft Sans Serif"/>
-                <a:cs typeface="Microsoft Sans Serif"/>
-              </a:rPr>
-              <a:t>и</a:t>
-            </a:r>
-            <a:r>
-              <a:rPr sz="1000" spc="65" dirty="0">
-                <a:latin typeface="Microsoft Sans Serif"/>
-                <a:cs typeface="Microsoft Sans Serif"/>
-              </a:rPr>
-              <a:t> </a:t>
-            </a:r>
-            <a:r>
-              <a:rPr sz="1000" spc="-50" dirty="0">
-                <a:latin typeface="Microsoft Sans Serif"/>
-                <a:cs typeface="Microsoft Sans Serif"/>
-              </a:rPr>
-              <a:t>прикладная</a:t>
-            </a:r>
-            <a:r>
-              <a:rPr sz="1000" spc="65" dirty="0">
-                <a:latin typeface="Microsoft Sans Serif"/>
-                <a:cs typeface="Microsoft Sans Serif"/>
-              </a:rPr>
-              <a:t> </a:t>
-            </a:r>
-            <a:r>
-              <a:rPr sz="1000" spc="-40" dirty="0">
-                <a:latin typeface="Microsoft Sans Serif"/>
-                <a:cs typeface="Microsoft Sans Serif"/>
-              </a:rPr>
-              <a:t>математика»</a:t>
-            </a:r>
-            <a:endParaRPr sz="1000" dirty="0">
-              <a:latin typeface="Microsoft Sans Serif"/>
-              <a:cs typeface="Microsoft Sans Serif"/>
-            </a:endParaRPr>
-          </a:p>
-          <a:p>
-            <a:pPr marR="36195" algn="ctr">
-              <a:lnSpc>
-                <a:spcPts val="1190"/>
-              </a:lnSpc>
-            </a:pPr>
-            <a:r>
-              <a:rPr sz="1000" spc="-60" dirty="0">
-                <a:latin typeface="Microsoft Sans Serif"/>
-                <a:cs typeface="Microsoft Sans Serif"/>
-              </a:rPr>
-              <a:t>Кафедра</a:t>
-            </a:r>
-            <a:r>
-              <a:rPr sz="1000" spc="65" dirty="0">
-                <a:latin typeface="Microsoft Sans Serif"/>
-                <a:cs typeface="Microsoft Sans Serif"/>
-              </a:rPr>
-              <a:t> </a:t>
-            </a:r>
-            <a:r>
-              <a:rPr sz="1000" spc="-185" dirty="0">
-                <a:latin typeface="Microsoft Sans Serif"/>
-                <a:cs typeface="Microsoft Sans Serif"/>
-              </a:rPr>
-              <a:t>№</a:t>
-            </a:r>
-            <a:r>
-              <a:rPr sz="1000" spc="-90" dirty="0">
-                <a:latin typeface="Microsoft Sans Serif"/>
-                <a:cs typeface="Microsoft Sans Serif"/>
-              </a:rPr>
-              <a:t> </a:t>
-            </a:r>
-            <a:r>
-              <a:rPr sz="1000" spc="-65" dirty="0">
-                <a:latin typeface="Microsoft Sans Serif"/>
-                <a:cs typeface="Microsoft Sans Serif"/>
-              </a:rPr>
-              <a:t>806</a:t>
-            </a:r>
-            <a:r>
-              <a:rPr sz="1000" spc="70" dirty="0">
-                <a:latin typeface="Microsoft Sans Serif"/>
-                <a:cs typeface="Microsoft Sans Serif"/>
-              </a:rPr>
-              <a:t> </a:t>
-            </a:r>
-            <a:r>
-              <a:rPr sz="1000" spc="-35" dirty="0">
-                <a:latin typeface="Microsoft Sans Serif"/>
-                <a:cs typeface="Microsoft Sans Serif"/>
-              </a:rPr>
-              <a:t>«Вычислительная</a:t>
-            </a:r>
-            <a:r>
-              <a:rPr sz="1000" spc="65" dirty="0">
-                <a:latin typeface="Microsoft Sans Serif"/>
-                <a:cs typeface="Microsoft Sans Serif"/>
-              </a:rPr>
-              <a:t> </a:t>
-            </a:r>
-            <a:r>
-              <a:rPr sz="1000" spc="-55" dirty="0">
-                <a:latin typeface="Microsoft Sans Serif"/>
-                <a:cs typeface="Microsoft Sans Serif"/>
-              </a:rPr>
-              <a:t>математика</a:t>
-            </a:r>
-            <a:r>
-              <a:rPr sz="1000" spc="70" dirty="0">
-                <a:latin typeface="Microsoft Sans Serif"/>
-                <a:cs typeface="Microsoft Sans Serif"/>
-              </a:rPr>
-              <a:t> </a:t>
-            </a:r>
-            <a:r>
-              <a:rPr sz="1000" spc="-25" dirty="0">
-                <a:latin typeface="Microsoft Sans Serif"/>
-                <a:cs typeface="Microsoft Sans Serif"/>
-              </a:rPr>
-              <a:t>и</a:t>
-            </a:r>
-            <a:r>
-              <a:rPr sz="1000" spc="70" dirty="0">
-                <a:latin typeface="Microsoft Sans Serif"/>
-                <a:cs typeface="Microsoft Sans Serif"/>
-              </a:rPr>
-              <a:t> </a:t>
-            </a:r>
-            <a:r>
-              <a:rPr sz="1000" spc="-45" dirty="0">
-                <a:latin typeface="Microsoft Sans Serif"/>
-                <a:cs typeface="Microsoft Sans Serif"/>
-              </a:rPr>
-              <a:t>программирование»</a:t>
-            </a:r>
-            <a:endParaRPr sz="1000" dirty="0">
-              <a:latin typeface="Microsoft Sans Serif"/>
-              <a:cs typeface="Microsoft Sans Serif"/>
-            </a:endParaRPr>
-          </a:p>
-        </p:txBody>
-      </p:sp>
       <p:sp>
         <p:nvSpPr>
           <p:cNvPr id="8" name="object 8"/>
@@ -9456,419 +9014,30 @@
           </a:p>
         </p:txBody>
       </p:sp>
-      <p:sp>
-        <p:nvSpPr>
-          <p:cNvPr id="6" name="object 6"/>
-          <p:cNvSpPr txBox="1"/>
+      <p:pic>
+        <p:nvPicPr>
+          <p:cNvPr id="11" name="Рисунок 10"/>
+          <p:cNvPicPr>
+            <a:picLocks noChangeAspect="1"/>
+          </p:cNvPicPr>
           <p:nvPr/>
-        </p:nvSpPr>
-        <p:spPr>
-          <a:xfrm>
-            <a:off x="360044" y="1012825"/>
-            <a:ext cx="5039995" cy="632866"/>
+        </p:nvPicPr>
+        <p:blipFill>
+          <a:blip r:embed="rId2"/>
+          <a:stretch>
+            <a:fillRect/>
+          </a:stretch>
+        </p:blipFill>
+        <p:spPr>
+          <a:xfrm>
+            <a:off x="0" y="12580"/>
+            <a:ext cx="5765800" cy="3249370"/>
           </a:xfrm>
           <a:prstGeom prst="rect">
             <a:avLst/>
           </a:prstGeom>
-          <a:solidFill>
-            <a:srgbClr val="3333B2"/>
-          </a:solidFill>
-        </p:spPr>
-        <p:txBody>
-          <a:bodyPr vert="horz" wrap="square" lIns="0" tIns="65405" rIns="0" bIns="0" rtlCol="0">
-            <a:spAutoFit/>
-          </a:bodyPr>
-          <a:lstStyle/>
-          <a:p>
-            <a:pPr marL="100965" marR="92710" algn="ctr">
-              <a:lnSpc>
-                <a:spcPts val="1390"/>
-              </a:lnSpc>
-              <a:spcBef>
-                <a:spcPts val="515"/>
-              </a:spcBef>
-            </a:pPr>
-            <a:r>
-              <a:rPr lang="ru-RU" sz="1200" b="1" spc="-30" dirty="0">
-                <a:solidFill>
-                  <a:srgbClr val="FFFFFF"/>
-                </a:solidFill>
-                <a:latin typeface="Arial"/>
-                <a:cs typeface="Arial"/>
-              </a:rPr>
-              <a:t>Кластеризация образовательных организаций с учетом контекстных данных методами машинного обучения</a:t>
-            </a:r>
-            <a:endParaRPr lang="ru-RU" sz="1200" b="1" spc="-30" dirty="0" smtClean="0">
-              <a:solidFill>
-                <a:srgbClr val="FFFFFF"/>
-              </a:solidFill>
-              <a:latin typeface="Arial"/>
-              <a:cs typeface="Arial"/>
-            </a:endParaRPr>
-          </a:p>
-          <a:p>
-            <a:pPr algn="ctr">
-              <a:lnSpc>
-                <a:spcPct val="100000"/>
-              </a:lnSpc>
-              <a:spcBef>
-                <a:spcPts val="315"/>
-              </a:spcBef>
-            </a:pPr>
-            <a:r>
-              <a:rPr lang="ru-RU" sz="1100" spc="-35" dirty="0" smtClean="0">
-                <a:solidFill>
-                  <a:srgbClr val="FFFFFF"/>
-                </a:solidFill>
-                <a:latin typeface="Trebuchet MS"/>
-                <a:cs typeface="Trebuchet MS"/>
-              </a:rPr>
-              <a:t>Выпускная</a:t>
-            </a:r>
-            <a:r>
-              <a:rPr sz="1100" spc="30" dirty="0" smtClean="0">
-                <a:solidFill>
-                  <a:srgbClr val="FFFFFF"/>
-                </a:solidFill>
-                <a:latin typeface="Trebuchet MS"/>
-                <a:cs typeface="Trebuchet MS"/>
-              </a:rPr>
-              <a:t> </a:t>
-            </a:r>
-            <a:r>
-              <a:rPr sz="1100" spc="-50" dirty="0" err="1" smtClean="0">
-                <a:solidFill>
-                  <a:srgbClr val="FFFFFF"/>
-                </a:solidFill>
-                <a:latin typeface="Trebuchet MS"/>
-                <a:cs typeface="Trebuchet MS"/>
-              </a:rPr>
-              <a:t>квалификационная</a:t>
-            </a:r>
-            <a:r>
-              <a:rPr sz="1100" spc="30" dirty="0" smtClean="0">
-                <a:solidFill>
-                  <a:srgbClr val="FFFFFF"/>
-                </a:solidFill>
-                <a:latin typeface="Trebuchet MS"/>
-                <a:cs typeface="Trebuchet MS"/>
-              </a:rPr>
-              <a:t> </a:t>
-            </a:r>
-            <a:r>
-              <a:rPr sz="1100" spc="-50" dirty="0" err="1" smtClean="0">
-                <a:solidFill>
-                  <a:srgbClr val="FFFFFF"/>
-                </a:solidFill>
-                <a:latin typeface="Trebuchet MS"/>
-                <a:cs typeface="Trebuchet MS"/>
-              </a:rPr>
-              <a:t>работа</a:t>
-            </a:r>
-            <a:r>
-              <a:rPr sz="1100" spc="30" dirty="0" smtClean="0">
-                <a:solidFill>
-                  <a:srgbClr val="FFFFFF"/>
-                </a:solidFill>
-                <a:latin typeface="Trebuchet MS"/>
-                <a:cs typeface="Trebuchet MS"/>
-              </a:rPr>
-              <a:t> </a:t>
-            </a:r>
-            <a:r>
-              <a:rPr sz="1100" spc="-55" dirty="0" err="1" smtClean="0">
-                <a:solidFill>
-                  <a:srgbClr val="FFFFFF"/>
-                </a:solidFill>
-                <a:latin typeface="Trebuchet MS"/>
-                <a:cs typeface="Trebuchet MS"/>
-              </a:rPr>
-              <a:t>бакалавра</a:t>
-            </a:r>
-            <a:endParaRPr sz="1100" dirty="0">
-              <a:latin typeface="Trebuchet MS"/>
-              <a:cs typeface="Trebuchet MS"/>
-            </a:endParaRPr>
-          </a:p>
-        </p:txBody>
-      </p:sp>
-      <p:sp>
-        <p:nvSpPr>
-          <p:cNvPr id="7" name="object 7"/>
-          <p:cNvSpPr txBox="1"/>
-          <p:nvPr/>
-        </p:nvSpPr>
-        <p:spPr>
-          <a:xfrm>
-            <a:off x="1057275" y="1896096"/>
-            <a:ext cx="3806825" cy="1026628"/>
-          </a:xfrm>
-          <a:prstGeom prst="rect">
-            <a:avLst/>
-          </a:prstGeom>
-        </p:spPr>
-        <p:txBody>
-          <a:bodyPr vert="horz" wrap="square" lIns="0" tIns="6985" rIns="0" bIns="0" rtlCol="0">
-            <a:spAutoFit/>
-          </a:bodyPr>
-          <a:lstStyle/>
-          <a:p>
-            <a:pPr marL="12700" marR="5080">
-              <a:lnSpc>
-                <a:spcPct val="102600"/>
-              </a:lnSpc>
-              <a:spcBef>
-                <a:spcPts val="55"/>
-              </a:spcBef>
-            </a:pPr>
-            <a:r>
-              <a:rPr lang="ru-RU" sz="1100" b="1" spc="-40" dirty="0">
-                <a:latin typeface="Arial"/>
-                <a:cs typeface="Arial"/>
-              </a:rPr>
-              <a:t>Студент</a:t>
-            </a:r>
-            <a:r>
-              <a:rPr sz="1100" b="1" spc="-35" dirty="0">
-                <a:latin typeface="Arial"/>
-                <a:cs typeface="Arial"/>
-              </a:rPr>
-              <a:t> </a:t>
-            </a:r>
-            <a:r>
-              <a:rPr lang="ru-RU" sz="1100" b="1" spc="-55" dirty="0">
-                <a:latin typeface="Arial"/>
-                <a:cs typeface="Arial"/>
-              </a:rPr>
-              <a:t>группы</a:t>
-            </a:r>
-            <a:r>
-              <a:rPr sz="1100" b="1" spc="-50" dirty="0">
-                <a:latin typeface="Arial"/>
-                <a:cs typeface="Arial"/>
-              </a:rPr>
-              <a:t> </a:t>
-            </a:r>
-            <a:r>
-              <a:rPr sz="1100" b="1" spc="10" dirty="0">
-                <a:latin typeface="Arial"/>
-                <a:cs typeface="Arial"/>
-              </a:rPr>
-              <a:t>М8О-40</a:t>
-            </a:r>
-            <a:r>
-              <a:rPr lang="ru-RU" sz="1100" b="1" spc="10" dirty="0">
-                <a:latin typeface="Arial"/>
-                <a:cs typeface="Arial"/>
-              </a:rPr>
-              <a:t>8</a:t>
-            </a:r>
-            <a:r>
-              <a:rPr sz="1100" b="1" spc="10" dirty="0">
-                <a:latin typeface="Arial"/>
-                <a:cs typeface="Arial"/>
-              </a:rPr>
-              <a:t>Б-</a:t>
-            </a:r>
-            <a:r>
-              <a:rPr lang="ru-RU" sz="1100" b="1" spc="10" dirty="0">
-                <a:latin typeface="Arial"/>
-                <a:cs typeface="Arial"/>
-              </a:rPr>
-              <a:t>20</a:t>
-            </a:r>
-            <a:r>
-              <a:rPr sz="1100" b="1" spc="10" dirty="0">
-                <a:latin typeface="Arial"/>
-                <a:cs typeface="Arial"/>
-              </a:rPr>
-              <a:t>: </a:t>
-            </a:r>
-            <a:r>
-              <a:rPr lang="ru-RU" sz="1100" spc="-30" dirty="0" smtClean="0">
-                <a:latin typeface="Trebuchet MS"/>
-                <a:cs typeface="Trebuchet MS"/>
-              </a:rPr>
-              <a:t>Зубко Дмитрий Валерьеви</a:t>
-            </a:r>
-            <a:r>
-              <a:rPr lang="ru-RU" sz="1100" spc="-55" dirty="0" smtClean="0">
-                <a:latin typeface="Trebuchet MS"/>
-                <a:cs typeface="Trebuchet MS"/>
-              </a:rPr>
-              <a:t>ч </a:t>
-            </a:r>
-            <a:r>
-              <a:rPr lang="ru-RU" sz="1100" spc="-325" dirty="0" smtClean="0">
-                <a:latin typeface="Trebuchet MS"/>
-                <a:cs typeface="Trebuchet MS"/>
-              </a:rPr>
-              <a:t> </a:t>
-            </a:r>
-            <a:r>
-              <a:rPr sz="1100" b="1" spc="-50" dirty="0" err="1" smtClean="0">
-                <a:latin typeface="Arial"/>
-                <a:cs typeface="Arial"/>
-              </a:rPr>
-              <a:t>Научный</a:t>
-            </a:r>
-            <a:r>
-              <a:rPr sz="1100" b="1" spc="-45" dirty="0" smtClean="0">
-                <a:latin typeface="Arial"/>
-                <a:cs typeface="Arial"/>
-              </a:rPr>
-              <a:t> </a:t>
-            </a:r>
-            <a:r>
-              <a:rPr sz="1100" b="1" spc="-60" dirty="0" err="1">
-                <a:latin typeface="Arial"/>
-                <a:cs typeface="Arial"/>
-              </a:rPr>
-              <a:t>руководитель</a:t>
-            </a:r>
-            <a:r>
-              <a:rPr lang="ru-RU" sz="1100" b="1" spc="-60" dirty="0">
-                <a:latin typeface="Arial"/>
-                <a:cs typeface="Arial"/>
-              </a:rPr>
-              <a:t>:</a:t>
-            </a:r>
-            <a:r>
-              <a:rPr lang="ru-RU" sz="1100" b="1" spc="-55" dirty="0">
-                <a:latin typeface="Arial"/>
-                <a:cs typeface="Arial"/>
-              </a:rPr>
-              <a:t> </a:t>
-            </a:r>
-            <a:r>
-              <a:rPr lang="ru-RU" sz="1100" spc="-60" dirty="0">
-                <a:latin typeface="Trebuchet MS"/>
-                <a:cs typeface="Trebuchet MS"/>
-              </a:rPr>
-              <a:t>кандидат физико-математических наук</a:t>
-            </a:r>
-            <a:r>
-              <a:rPr lang="en-US" sz="1100" spc="-60" dirty="0">
-                <a:latin typeface="Trebuchet MS"/>
-                <a:cs typeface="Trebuchet MS"/>
-              </a:rPr>
-              <a:t>, </a:t>
-            </a:r>
-            <a:r>
-              <a:rPr lang="ru-RU" sz="1100" spc="-60" dirty="0">
-                <a:latin typeface="Trebuchet MS"/>
-                <a:cs typeface="Trebuchet MS"/>
-              </a:rPr>
-              <a:t>доцент кафедры </a:t>
-            </a:r>
-            <a:r>
-              <a:rPr lang="ru-RU" sz="1100" spc="-40" dirty="0">
-                <a:latin typeface="Trebuchet MS"/>
-                <a:cs typeface="Trebuchet MS"/>
-              </a:rPr>
-              <a:t>806 </a:t>
-            </a:r>
-            <a:r>
-              <a:rPr lang="ru-RU" sz="1100" spc="-35" dirty="0" smtClean="0">
-                <a:latin typeface="Trebuchet MS"/>
-                <a:cs typeface="Trebuchet MS"/>
-              </a:rPr>
-              <a:t> </a:t>
-            </a:r>
-          </a:p>
-          <a:p>
-            <a:pPr marL="12700" marR="5080">
-              <a:lnSpc>
-                <a:spcPct val="102600"/>
-              </a:lnSpc>
-              <a:spcBef>
-                <a:spcPts val="55"/>
-              </a:spcBef>
-            </a:pPr>
-            <a:r>
-              <a:rPr lang="ru-RU" sz="1100" spc="-25" dirty="0" err="1" smtClean="0">
-                <a:latin typeface="Trebuchet MS"/>
-                <a:cs typeface="Trebuchet MS"/>
-              </a:rPr>
-              <a:t>Левинская</a:t>
-            </a:r>
-            <a:r>
-              <a:rPr lang="ru-RU" sz="1100" spc="-25" dirty="0" smtClean="0">
-                <a:latin typeface="Trebuchet MS"/>
-                <a:cs typeface="Trebuchet MS"/>
-              </a:rPr>
-              <a:t> Мария Александровна</a:t>
-            </a:r>
-          </a:p>
-          <a:p>
-            <a:pPr marL="12700" marR="5080">
-              <a:lnSpc>
-                <a:spcPct val="102600"/>
-              </a:lnSpc>
-              <a:spcBef>
-                <a:spcPts val="55"/>
-              </a:spcBef>
-            </a:pPr>
-            <a:endParaRPr lang="ru-RU" sz="900" dirty="0">
-              <a:latin typeface="Trebuchet MS"/>
-              <a:cs typeface="Trebuchet MS"/>
-            </a:endParaRPr>
-          </a:p>
-          <a:p>
-            <a:pPr marR="38100" algn="ctr">
-              <a:lnSpc>
-                <a:spcPct val="100000"/>
-              </a:lnSpc>
-            </a:pPr>
-            <a:r>
-              <a:rPr sz="1000" spc="-45" dirty="0" err="1">
-                <a:latin typeface="Microsoft Sans Serif"/>
-                <a:cs typeface="Microsoft Sans Serif"/>
-              </a:rPr>
-              <a:t>Москва</a:t>
-            </a:r>
-            <a:r>
-              <a:rPr sz="1000" spc="40" dirty="0">
-                <a:latin typeface="Microsoft Sans Serif"/>
-                <a:cs typeface="Microsoft Sans Serif"/>
-              </a:rPr>
-              <a:t> </a:t>
-            </a:r>
-            <a:r>
-              <a:rPr sz="1000" spc="215" dirty="0">
-                <a:latin typeface="Microsoft Sans Serif"/>
-                <a:cs typeface="Microsoft Sans Serif"/>
-              </a:rPr>
-              <a:t>—</a:t>
-            </a:r>
-            <a:r>
-              <a:rPr sz="1000" spc="45" dirty="0">
-                <a:latin typeface="Microsoft Sans Serif"/>
-                <a:cs typeface="Microsoft Sans Serif"/>
-              </a:rPr>
-              <a:t> </a:t>
-            </a:r>
-            <a:r>
-              <a:rPr sz="1000" spc="-65" dirty="0">
-                <a:latin typeface="Microsoft Sans Serif"/>
-                <a:cs typeface="Microsoft Sans Serif"/>
-              </a:rPr>
-              <a:t>202</a:t>
-            </a:r>
-            <a:r>
-              <a:rPr lang="ru-RU" sz="1000" spc="-65" dirty="0">
-                <a:latin typeface="Microsoft Sans Serif"/>
-                <a:cs typeface="Microsoft Sans Serif"/>
-              </a:rPr>
-              <a:t>4</a:t>
-            </a:r>
-            <a:endParaRPr sz="1000" dirty="0">
-              <a:latin typeface="Microsoft Sans Serif"/>
-              <a:cs typeface="Microsoft Sans Serif"/>
-            </a:endParaRPr>
-          </a:p>
-        </p:txBody>
-      </p:sp>
+        </p:spPr>
+      </p:pic>
     </p:spTree>
   </p:cSld>
   <p:clrMapOvr>
